--- a/LectureFiles/cbw/2017/RNASeq_Module4_Tutorial.pptx
+++ b/LectureFiles/cbw/2017/RNASeq_Module4_Tutorial.pptx
@@ -261,7 +261,7 @@
               <a:pPr>
                 <a:defRPr/>
               </a:pPr>
-              <a:t>3/26/17</a:t>
+              <a:t>7/8/17</a:t>
             </a:fld>
             <a:endParaRPr lang="en-US"/>
           </a:p>
@@ -476,7 +476,7 @@
               <a:pPr>
                 <a:defRPr/>
               </a:pPr>
-              <a:t>3/26/17</a:t>
+              <a:t>7/8/17</a:t>
             </a:fld>
             <a:endParaRPr lang="en-US"/>
           </a:p>
@@ -5374,7 +5374,7 @@
               <a:pPr>
                 <a:defRPr/>
               </a:pPr>
-              <a:t>3/26/17</a:t>
+              <a:t>7/8/17</a:t>
             </a:fld>
             <a:endParaRPr lang="en-US"/>
           </a:p>
@@ -6045,14 +6045,7 @@
                 <a:latin typeface="Calibri" charset="0"/>
                 <a:ea typeface="ＭＳ Ｐゴシック" charset="0"/>
               </a:rPr>
-              <a:t>S</a:t>
-            </a:r>
-            <a:r>
-              <a:rPr lang="en-US" dirty="0" err="1" smtClean="0">
-                <a:latin typeface="Calibri" charset="0"/>
-                <a:ea typeface="ＭＳ Ｐゴシック" charset="0"/>
-              </a:rPr>
-              <a:t>tringTie</a:t>
+              <a:t>StringTie</a:t>
             </a:r>
             <a:r>
               <a:rPr lang="en-US" dirty="0" smtClean="0">
@@ -7693,7 +7686,7 @@
               <a:defRPr/>
             </a:pPr>
             <a:r>
-              <a:rPr lang="en-US" sz="1600" dirty="0" smtClean="0">
+              <a:rPr lang="en-US" sz="1600" dirty="0">
                 <a:ln w="1270">
                   <a:solidFill>
                     <a:schemeClr val="tx1">
@@ -7702,21 +7695,12 @@
                   </a:solidFill>
                 </a:ln>
                 <a:latin typeface="Calibri"/>
-                <a:ea typeface="+mj-ea"/>
                 <a:cs typeface="Calibri"/>
               </a:rPr>
-              <a:t>High-Throughput Biology: From Sequence to Networks</a:t>
-            </a:r>
-          </a:p>
-          <a:p>
-            <a:pPr fontAlgn="auto">
-              <a:spcAft>
-                <a:spcPts val="0"/>
-              </a:spcAft>
-              <a:defRPr/>
-            </a:pPr>
-            <a:r>
-              <a:rPr lang="en-US" sz="1400" dirty="0" smtClean="0">
+              <a:t>Informatics for RNA-</a:t>
+            </a:r>
+            <a:r>
+              <a:rPr lang="en-US" sz="1600" dirty="0" err="1">
                 <a:ln w="1270">
                   <a:solidFill>
                     <a:schemeClr val="tx1">
@@ -7725,11 +7709,62 @@
                   </a:solidFill>
                 </a:ln>
                 <a:latin typeface="Calibri"/>
-                <a:ea typeface="+mn-ea"/>
                 <a:cs typeface="Calibri"/>
               </a:rPr>
-              <a:t>March 20-26, 2017</a:t>
-            </a:r>
+              <a:t>seq</a:t>
+            </a:r>
+            <a:r>
+              <a:rPr lang="en-US" sz="1600">
+                <a:ln w="1270">
+                  <a:solidFill>
+                    <a:schemeClr val="tx1">
+                      <a:alpha val="38000"/>
+                    </a:schemeClr>
+                  </a:solidFill>
+                </a:ln>
+                <a:latin typeface="Calibri"/>
+                <a:cs typeface="Calibri"/>
+              </a:rPr>
+              <a:t> Analysis</a:t>
+            </a:r>
+            <a:br>
+              <a:rPr lang="en-US" sz="1600">
+                <a:ln w="1270">
+                  <a:solidFill>
+                    <a:schemeClr val="tx1">
+                      <a:alpha val="38000"/>
+                    </a:schemeClr>
+                  </a:solidFill>
+                </a:ln>
+                <a:latin typeface="Calibri"/>
+                <a:cs typeface="Calibri"/>
+              </a:rPr>
+            </a:br>
+            <a:r>
+              <a:rPr lang="en-US" sz="1400">
+                <a:ln w="1270">
+                  <a:solidFill>
+                    <a:schemeClr val="tx1">
+                      <a:alpha val="38000"/>
+                    </a:schemeClr>
+                  </a:solidFill>
+                </a:ln>
+                <a:latin typeface="Calibri"/>
+                <a:cs typeface="Calibri"/>
+              </a:rPr>
+              <a:t>July 10-12, 2017</a:t>
+            </a:r>
+            <a:endParaRPr lang="en-US" sz="1400" dirty="0">
+              <a:ln w="1270">
+                <a:solidFill>
+                  <a:schemeClr val="tx1">
+                    <a:alpha val="38000"/>
+                  </a:schemeClr>
+                </a:solidFill>
+              </a:ln>
+              <a:latin typeface="Calibri"/>
+              <a:cs typeface="Calibri"/>
+            </a:endParaRPr>
           </a:p>
         </p:txBody>
       </p:sp>
@@ -7986,63 +8021,35 @@
                 <a:latin typeface="Calibri" charset="0"/>
                 <a:ea typeface="ＭＳ Ｐゴシック" charset="0"/>
               </a:rPr>
-              <a:t>Examine junctions counts </a:t>
+              <a:t>Examine junctions counts with </a:t>
+            </a:r>
+            <a:r>
+              <a:rPr lang="en-US" dirty="0" err="1" smtClean="0">
+                <a:latin typeface="Calibri" charset="0"/>
+                <a:ea typeface="ＭＳ Ｐゴシック" charset="0"/>
+              </a:rPr>
+              <a:t>RegTools</a:t>
             </a:r>
             <a:r>
               <a:rPr lang="en-US" dirty="0" smtClean="0">
                 <a:latin typeface="Calibri" charset="0"/>
                 <a:ea typeface="ＭＳ Ｐゴシック" charset="0"/>
               </a:rPr>
-              <a:t>with </a:t>
+              <a:t> and </a:t>
             </a:r>
             <a:r>
               <a:rPr lang="en-US" dirty="0" err="1" smtClean="0">
                 <a:latin typeface="Calibri" charset="0"/>
                 <a:ea typeface="ＭＳ Ｐゴシック" charset="0"/>
               </a:rPr>
-              <a:t>RegTools</a:t>
+              <a:t>StringTie</a:t>
             </a:r>
             <a:r>
               <a:rPr lang="en-US" dirty="0" smtClean="0">
                 <a:latin typeface="Calibri" charset="0"/>
                 <a:ea typeface="ＭＳ Ｐゴシック" charset="0"/>
               </a:rPr>
-              <a:t> and </a:t>
-            </a:r>
-            <a:r>
-              <a:rPr lang="en-US" dirty="0" err="1" smtClean="0">
-                <a:latin typeface="Calibri" charset="0"/>
-                <a:ea typeface="ＭＳ Ｐゴシック" charset="0"/>
-              </a:rPr>
-              <a:t>StringTie</a:t>
-            </a:r>
-            <a:r>
-              <a:rPr lang="en-US" dirty="0" smtClean="0">
-                <a:latin typeface="Calibri" charset="0"/>
-                <a:ea typeface="ＭＳ Ｐゴシック" charset="0"/>
-              </a:rPr>
-              <a:t> alternative </a:t>
-            </a:r>
-            <a:r>
-              <a:rPr lang="en-US" dirty="0" smtClean="0">
-                <a:latin typeface="Calibri" charset="0"/>
-                <a:ea typeface="ＭＳ Ｐゴシック" charset="0"/>
-              </a:rPr>
-              <a:t>transcript </a:t>
-            </a:r>
-            <a:r>
-              <a:rPr lang="en-US" dirty="0" smtClean="0">
-                <a:latin typeface="Calibri" charset="0"/>
-                <a:ea typeface="ＭＳ Ｐゴシック" charset="0"/>
-              </a:rPr>
-              <a:t>files </a:t>
-            </a:r>
-            <a:r>
-              <a:rPr lang="en-US" dirty="0" smtClean="0">
-                <a:latin typeface="Calibri" charset="0"/>
-                <a:ea typeface="ＭＳ Ｐゴシック" charset="0"/>
-              </a:rPr>
-              <a:t>at the command line</a:t>
+              <a:t> alternative transcript files at the command line</a:t>
             </a:r>
           </a:p>
           <a:p>
@@ -8054,35 +8061,21 @@
                 <a:latin typeface="Calibri" charset="0"/>
                 <a:ea typeface="ＭＳ Ｐゴシック" charset="0"/>
               </a:rPr>
-              <a:t>Visualize junction </a:t>
+              <a:t>Visualize junction counts and </a:t>
+            </a:r>
+            <a:r>
+              <a:rPr lang="en-US" dirty="0" err="1" smtClean="0">
+                <a:latin typeface="Calibri" charset="0"/>
+                <a:ea typeface="ＭＳ Ｐゴシック" charset="0"/>
+              </a:rPr>
+              <a:t>StringTie</a:t>
             </a:r>
             <a:r>
               <a:rPr lang="en-US" dirty="0" smtClean="0">
                 <a:latin typeface="Calibri" charset="0"/>
                 <a:ea typeface="ＭＳ Ｐゴシック" charset="0"/>
               </a:rPr>
-              <a:t>counts and </a:t>
-            </a:r>
-            <a:r>
-              <a:rPr lang="en-US" dirty="0" err="1" smtClean="0">
-                <a:latin typeface="Calibri" charset="0"/>
-                <a:ea typeface="ＭＳ Ｐゴシック" charset="0"/>
-              </a:rPr>
-              <a:t>StringTie</a:t>
-            </a:r>
-            <a:r>
-              <a:rPr lang="en-US" dirty="0" smtClean="0">
-                <a:latin typeface="Calibri" charset="0"/>
-                <a:ea typeface="ＭＳ Ｐゴシック" charset="0"/>
-              </a:rPr>
-              <a:t> </a:t>
-            </a:r>
-            <a:r>
-              <a:rPr lang="en-US" dirty="0" smtClean="0">
-                <a:latin typeface="Calibri" charset="0"/>
-                <a:ea typeface="ＭＳ Ｐゴシック" charset="0"/>
-              </a:rPr>
-              <a:t>assembled transcripts in IGV</a:t>
+              <a:t> assembled transcripts in IGV</a:t>
             </a:r>
             <a:endParaRPr lang="en-US" dirty="0">
               <a:latin typeface="Calibri" charset="0"/>
@@ -8209,15 +8202,7 @@
             </a:r>
             <a:r>
               <a:rPr lang="en-US" dirty="0" smtClean="0"/>
-              <a:t> </a:t>
-            </a:r>
-            <a:r>
-              <a:rPr lang="en-US" dirty="0" smtClean="0"/>
-              <a:t>in </a:t>
-            </a:r>
-            <a:r>
-              <a:rPr lang="en-US" dirty="0" smtClean="0"/>
-              <a:t>‘ref-only’ mode.  This mode gives us an expression estimate for each known gene/transcript</a:t>
+              <a:t> in ‘ref-only’ mode.  This mode gives us an expression estimate for each known gene/transcript</a:t>
             </a:r>
           </a:p>
           <a:p>
@@ -8359,7 +8344,6 @@
               <a:rPr lang="en-US" dirty="0" smtClean="0"/>
               <a:t>During indexing of the genome with hisat2, transcript information is provided</a:t>
             </a:r>
-            <a:endParaRPr lang="en-US" dirty="0" smtClean="0"/>
           </a:p>
           <a:p>
             <a:pPr lvl="1">
@@ -8371,17 +8355,8 @@
             </a:r>
             <a:r>
               <a:rPr lang="en-US" dirty="0" smtClean="0"/>
-              <a:t> </a:t>
-            </a:r>
-            <a:r>
-              <a:rPr lang="en-US" dirty="0" smtClean="0"/>
-              <a:t>transcriptome GTF </a:t>
-            </a:r>
-            <a:r>
-              <a:rPr lang="en-US" dirty="0" smtClean="0"/>
-              <a:t>file is used to extract splice sites and exons</a:t>
-            </a:r>
-            <a:endParaRPr lang="en-US" dirty="0" smtClean="0"/>
+              <a:t> transcriptome GTF file is used to extract splice sites and exons</a:t>
+            </a:r>
           </a:p>
           <a:p>
             <a:pPr lvl="1">
@@ -8398,11 +8373,7 @@
             </a:pPr>
             <a:r>
               <a:rPr lang="en-US" dirty="0" smtClean="0"/>
-              <a:t>These </a:t>
-            </a:r>
-            <a:r>
-              <a:rPr lang="en-US" dirty="0" smtClean="0"/>
-              <a:t>will be used to </a:t>
+              <a:t>These will be used to </a:t>
             </a:r>
             <a:r>
               <a:rPr lang="en-US" b="1" dirty="0" smtClean="0"/>
@@ -8428,29 +8399,8 @@
             </a:pPr>
             <a:r>
               <a:rPr lang="en-US" dirty="0" smtClean="0"/>
-              <a:t>Even though we supply </a:t>
-            </a:r>
-            <a:r>
-              <a:rPr lang="en-US" dirty="0" smtClean="0"/>
-              <a:t>transcriptome info, hisat2 </a:t>
-            </a:r>
-            <a:r>
-              <a:rPr lang="en-US" dirty="0" smtClean="0"/>
-              <a:t>will not be limited in </a:t>
-            </a:r>
-            <a:r>
-              <a:rPr lang="en-US" dirty="0" smtClean="0"/>
-              <a:t>to </a:t>
-            </a:r>
-            <a:r>
-              <a:rPr lang="en-US" dirty="0" smtClean="0"/>
-              <a:t>known </a:t>
-            </a:r>
-            <a:r>
-              <a:rPr lang="en-US" dirty="0" smtClean="0"/>
-              <a:t>transcripts or splice sites</a:t>
-            </a:r>
-            <a:endParaRPr lang="en-US" dirty="0" smtClean="0"/>
+              <a:t>Even though we supply transcriptome info, hisat2 will not be limited in to known transcripts or splice sites</a:t>
+            </a:r>
           </a:p>
           <a:p>
             <a:pPr>
@@ -8462,15 +8412,7 @@
             </a:r>
             <a:r>
               <a:rPr lang="en-US" dirty="0" smtClean="0"/>
-              <a:t> </a:t>
-            </a:r>
-            <a:r>
-              <a:rPr lang="en-US" dirty="0" smtClean="0"/>
-              <a:t>‘-G’ </a:t>
-            </a:r>
-            <a:r>
-              <a:rPr lang="en-US" dirty="0" smtClean="0"/>
-              <a:t>option</a:t>
+              <a:t> ‘-G’ option</a:t>
             </a:r>
           </a:p>
           <a:p>
@@ -8488,15 +8430,7 @@
             </a:pPr>
             <a:r>
               <a:rPr lang="en-US" dirty="0" smtClean="0"/>
-              <a:t>If specified, </a:t>
-            </a:r>
-            <a:r>
-              <a:rPr lang="en-US" dirty="0" smtClean="0"/>
-              <a:t>u</a:t>
-            </a:r>
-            <a:r>
-              <a:rPr lang="en-US" dirty="0" smtClean="0"/>
-              <a:t>ses </a:t>
+              <a:t>If specified, uses </a:t>
             </a:r>
             <a:r>
               <a:rPr lang="en-US" dirty="0"/>
@@ -8508,23 +8442,11 @@
             </a:r>
             <a:r>
               <a:rPr lang="en-US" b="1" dirty="0" smtClean="0"/>
-              <a:t>ref</a:t>
-            </a:r>
-            <a:r>
-              <a:rPr lang="en-US" b="1" dirty="0" smtClean="0"/>
-              <a:t>-</a:t>
-            </a:r>
-            <a:r>
-              <a:rPr lang="en-US" b="1" dirty="0" smtClean="0"/>
-              <a:t>guided</a:t>
+              <a:t>ref-guided</a:t>
             </a:r>
             <a:r>
               <a:rPr lang="en-US" dirty="0" smtClean="0"/>
-              <a:t>’ </a:t>
-            </a:r>
-            <a:r>
-              <a:rPr lang="en-US" dirty="0" smtClean="0"/>
-              <a:t>analysis mode</a:t>
+              <a:t>’ analysis mode</a:t>
             </a:r>
           </a:p>
           <a:p>
@@ -8537,11 +8459,7 @@
             </a:r>
             <a:r>
               <a:rPr lang="en-US" dirty="0" smtClean="0"/>
-              <a:t> ‘-e’ </a:t>
-            </a:r>
-            <a:r>
-              <a:rPr lang="en-US" dirty="0" smtClean="0"/>
-              <a:t>option</a:t>
+              <a:t> ‘-e’ option</a:t>
             </a:r>
           </a:p>
           <a:p>
@@ -8567,27 +8485,15 @@
             </a:pPr>
             <a:r>
               <a:rPr lang="en-US" dirty="0" smtClean="0"/>
-              <a:t>We </a:t>
+              <a:t>We call this ‘</a:t>
+            </a:r>
+            <a:r>
+              <a:rPr lang="en-US" b="1" dirty="0" smtClean="0"/>
+              <a:t>reference-only</a:t>
             </a:r>
             <a:r>
               <a:rPr lang="en-US" dirty="0" smtClean="0"/>
-              <a:t>call this ‘</a:t>
-            </a:r>
-            <a:r>
-              <a:rPr lang="en-US" b="1" dirty="0" smtClean="0"/>
-              <a:t>reference</a:t>
-            </a:r>
-            <a:r>
-              <a:rPr lang="en-US" b="1" dirty="0" smtClean="0"/>
-              <a:t>-only</a:t>
-            </a:r>
-            <a:r>
-              <a:rPr lang="en-US" dirty="0" smtClean="0"/>
-              <a:t>’ </a:t>
-            </a:r>
-            <a:r>
-              <a:rPr lang="en-US" dirty="0" smtClean="0"/>
-              <a:t>analysis mode</a:t>
+              <a:t>’ analysis mode</a:t>
             </a:r>
           </a:p>
           <a:p>
@@ -8604,17 +8510,8 @@
             </a:r>
             <a:r>
               <a:rPr lang="en-US" dirty="0" smtClean="0"/>
-              <a:t> </a:t>
-            </a:r>
-            <a:r>
-              <a:rPr lang="en-US" dirty="0" smtClean="0"/>
-              <a:t>with neither ‘-G’ or ‘</a:t>
-            </a:r>
-            <a:r>
-              <a:rPr lang="en-US" dirty="0" smtClean="0"/>
-              <a:t>-e’</a:t>
-            </a:r>
-            <a:endParaRPr lang="en-US" dirty="0" smtClean="0"/>
+              <a:t> with neither ‘-G’ or ‘-e’</a:t>
+            </a:r>
           </a:p>
           <a:p>
             <a:pPr lvl="1">
@@ -8630,13 +8527,8 @@
             </a:r>
             <a:r>
               <a:rPr lang="en-US" dirty="0" smtClean="0"/>
-              <a:t>’ analysis </a:t>
-            </a:r>
-            <a:r>
-              <a:rPr lang="en-US" dirty="0" smtClean="0"/>
-              <a:t>mode</a:t>
-            </a:r>
-            <a:endParaRPr lang="en-US" dirty="0" smtClean="0"/>
+              <a:t>’ analysis mode</a:t>
+            </a:r>
           </a:p>
         </p:txBody>
       </p:sp>

--- a/LectureFiles/cbw/2017/RNASeq_Module4_Tutorial.pptx
+++ b/LectureFiles/cbw/2017/RNASeq_Module4_Tutorial.pptx
@@ -261,7 +261,7 @@
               <a:pPr>
                 <a:defRPr/>
               </a:pPr>
-              <a:t>7/8/17</a:t>
+              <a:t>7/11/17</a:t>
             </a:fld>
             <a:endParaRPr lang="en-US"/>
           </a:p>
@@ -476,7 +476,7 @@
               <a:pPr>
                 <a:defRPr/>
               </a:pPr>
-              <a:t>7/8/17</a:t>
+              <a:t>7/11/17</a:t>
             </a:fld>
             <a:endParaRPr lang="en-US"/>
           </a:p>
@@ -821,6 +821,900 @@
       </p:grpSpPr>
       <p:sp>
         <p:nvSpPr>
+          <p:cNvPr id="2" name="Slide Image Placeholder 1"/>
+          <p:cNvSpPr>
+            <a:spLocks noGrp="1" noRot="1" noChangeAspect="1"/>
+          </p:cNvSpPr>
+          <p:nvPr>
+            <p:ph type="sldImg"/>
+          </p:nvPr>
+        </p:nvSpPr>
+        <p:spPr/>
+      </p:sp>
+      <p:sp>
+        <p:nvSpPr>
+          <p:cNvPr id="3" name="Notes Placeholder 2"/>
+          <p:cNvSpPr>
+            <a:spLocks noGrp="1"/>
+          </p:cNvSpPr>
+          <p:nvPr>
+            <p:ph type="body" idx="1"/>
+          </p:nvPr>
+        </p:nvSpPr>
+        <p:spPr/>
+        <p:txBody>
+          <a:bodyPr/>
+          <a:lstStyle/>
+          <a:p>
+            <a:endParaRPr lang="en-US"/>
+          </a:p>
+        </p:txBody>
+      </p:sp>
+      <p:sp>
+        <p:nvSpPr>
+          <p:cNvPr id="4" name="Slide Number Placeholder 3"/>
+          <p:cNvSpPr>
+            <a:spLocks noGrp="1"/>
+          </p:cNvSpPr>
+          <p:nvPr>
+            <p:ph type="sldNum" sz="quarter" idx="10"/>
+          </p:nvPr>
+        </p:nvSpPr>
+        <p:spPr/>
+        <p:txBody>
+          <a:bodyPr/>
+          <a:lstStyle/>
+          <a:p>
+            <a:pPr>
+              <a:defRPr/>
+            </a:pPr>
+            <a:fld id="{F3969550-FBCF-404B-9FAA-7B1DCDF2C4FF}" type="slidenum">
+              <a:rPr lang="en-US" smtClean="0"/>
+              <a:pPr>
+                <a:defRPr/>
+              </a:pPr>
+              <a:t>1</a:t>
+            </a:fld>
+            <a:endParaRPr lang="en-US"/>
+          </a:p>
+        </p:txBody>
+      </p:sp>
+    </p:spTree>
+    <p:extLst>
+      <p:ext uri="{BB962C8B-B14F-4D97-AF65-F5344CB8AC3E}">
+        <p14:creationId xmlns:p14="http://schemas.microsoft.com/office/powerpoint/2010/main" val="3096571878"/>
+      </p:ext>
+    </p:extLst>
+  </p:cSld>
+  <p:clrMapOvr>
+    <a:masterClrMapping/>
+  </p:clrMapOvr>
+</p:notes>
+</file>
+
+<file path=ppt/notesSlides/notesSlide10.xml><?xml version="1.0" encoding="utf-8"?>
+<p:notes xmlns:a="http://schemas.openxmlformats.org/drawingml/2006/main" xmlns:r="http://schemas.openxmlformats.org/officeDocument/2006/relationships" xmlns:p="http://schemas.openxmlformats.org/presentationml/2006/main">
+  <p:cSld>
+    <p:spTree>
+      <p:nvGrpSpPr>
+        <p:cNvPr id="1" name=""/>
+        <p:cNvGrpSpPr/>
+        <p:nvPr/>
+      </p:nvGrpSpPr>
+      <p:grpSpPr>
+        <a:xfrm>
+          <a:off x="0" y="0"/>
+          <a:ext cx="0" cy="0"/>
+          <a:chOff x="0" y="0"/>
+          <a:chExt cx="0" cy="0"/>
+        </a:xfrm>
+      </p:grpSpPr>
+      <p:sp>
+        <p:nvSpPr>
+          <p:cNvPr id="28673" name="Slide Image Placeholder 1"/>
+          <p:cNvSpPr>
+            <a:spLocks noGrp="1" noRot="1" noChangeAspect="1"/>
+          </p:cNvSpPr>
+          <p:nvPr>
+            <p:ph type="sldImg"/>
+          </p:nvPr>
+        </p:nvSpPr>
+        <p:spPr bwMode="auto">
+          <a:noFill/>
+          <a:ln>
+            <a:solidFill>
+              <a:srgbClr val="000000"/>
+            </a:solidFill>
+            <a:miter lim="800000"/>
+            <a:headEnd/>
+            <a:tailEnd/>
+          </a:ln>
+          <a:extLst>
+            <a:ext uri="{909E8E84-426E-40dd-AFC4-6F175D3DCCD1}">
+              <a14:hiddenFill xmlns:a14="http://schemas.microsoft.com/office/drawing/2010/main">
+                <a:solidFill>
+                  <a:srgbClr val="FFFFFF"/>
+                </a:solidFill>
+              </a14:hiddenFill>
+            </a:ext>
+            <a:ext uri="{FAA26D3D-D897-4be2-8F04-BA451C77F1D7}">
+              <ma14:placeholderFlag xmlns:ma14="http://schemas.microsoft.com/office/mac/drawingml/2011/main" val="1"/>
+            </a:ext>
+          </a:extLst>
+        </p:spPr>
+      </p:sp>
+      <p:sp>
+        <p:nvSpPr>
+          <p:cNvPr id="28674" name="Notes Placeholder 2"/>
+          <p:cNvSpPr>
+            <a:spLocks noGrp="1"/>
+          </p:cNvSpPr>
+          <p:nvPr>
+            <p:ph type="body" idx="1"/>
+          </p:nvPr>
+        </p:nvSpPr>
+        <p:spPr bwMode="auto">
+          <a:noFill/>
+          <a:extLst>
+            <a:ext uri="{909E8E84-426E-40dd-AFC4-6F175D3DCCD1}">
+              <a14:hiddenFill xmlns:a14="http://schemas.microsoft.com/office/drawing/2010/main">
+                <a:solidFill>
+                  <a:srgbClr val="FFFFFF"/>
+                </a:solidFill>
+              </a14:hiddenFill>
+            </a:ext>
+            <a:ext uri="{91240B29-F687-4f45-9708-019B960494DF}">
+              <a14:hiddenLine xmlns:a14="http://schemas.microsoft.com/office/drawing/2010/main" w="9525">
+                <a:solidFill>
+                  <a:srgbClr val="000000"/>
+                </a:solidFill>
+                <a:miter lim="800000"/>
+                <a:headEnd/>
+                <a:tailEnd/>
+              </a14:hiddenLine>
+            </a:ext>
+            <a:ext uri="{FAA26D3D-D897-4be2-8F04-BA451C77F1D7}">
+              <ma14:placeholderFlag xmlns:ma14="http://schemas.microsoft.com/office/mac/drawingml/2011/main" val="1"/>
+            </a:ext>
+          </a:extLst>
+        </p:spPr>
+        <p:txBody>
+          <a:bodyPr wrap="square" numCol="1" anchor="t" anchorCtr="0" compatLnSpc="1">
+            <a:prstTxWarp prst="textNoShape">
+              <a:avLst/>
+            </a:prstTxWarp>
+          </a:bodyPr>
+          <a:lstStyle/>
+          <a:p>
+            <a:endParaRPr lang="en-US">
+              <a:latin typeface="Calibri" charset="0"/>
+              <a:ea typeface="ＭＳ Ｐゴシック" charset="0"/>
+              <a:cs typeface="ＭＳ Ｐゴシック" charset="0"/>
+            </a:endParaRPr>
+          </a:p>
+        </p:txBody>
+      </p:sp>
+      <p:sp>
+        <p:nvSpPr>
+          <p:cNvPr id="28675" name="Slide Number Placeholder 3"/>
+          <p:cNvSpPr>
+            <a:spLocks noGrp="1"/>
+          </p:cNvSpPr>
+          <p:nvPr>
+            <p:ph type="sldNum" sz="quarter" idx="5"/>
+          </p:nvPr>
+        </p:nvSpPr>
+        <p:spPr bwMode="auto">
+          <a:noFill/>
+          <a:extLst>
+            <a:ext uri="{909E8E84-426E-40dd-AFC4-6F175D3DCCD1}">
+              <a14:hiddenFill xmlns:a14="http://schemas.microsoft.com/office/drawing/2010/main">
+                <a:solidFill>
+                  <a:srgbClr val="FFFFFF"/>
+                </a:solidFill>
+              </a14:hiddenFill>
+            </a:ext>
+            <a:ext uri="{91240B29-F687-4f45-9708-019B960494DF}">
+              <a14:hiddenLine xmlns:a14="http://schemas.microsoft.com/office/drawing/2010/main" w="9525">
+                <a:solidFill>
+                  <a:srgbClr val="000000"/>
+                </a:solidFill>
+                <a:miter lim="800000"/>
+                <a:headEnd/>
+                <a:tailEnd/>
+              </a14:hiddenLine>
+            </a:ext>
+          </a:extLst>
+        </p:spPr>
+        <p:txBody>
+          <a:bodyPr/>
+          <a:lstStyle>
+            <a:lvl1pPr eaLnBrk="0" hangingPunct="0">
+              <a:defRPr sz="2400">
+                <a:solidFill>
+                  <a:schemeClr val="tx1"/>
+                </a:solidFill>
+                <a:latin typeface="Arial" charset="0"/>
+                <a:ea typeface="ＭＳ Ｐゴシック" charset="0"/>
+                <a:cs typeface="ＭＳ Ｐゴシック" charset="0"/>
+              </a:defRPr>
+            </a:lvl1pPr>
+            <a:lvl2pPr marL="742950" indent="-285750" eaLnBrk="0" hangingPunct="0">
+              <a:defRPr sz="2400">
+                <a:solidFill>
+                  <a:schemeClr val="tx1"/>
+                </a:solidFill>
+                <a:latin typeface="Arial" charset="0"/>
+                <a:ea typeface="ＭＳ Ｐゴシック" charset="0"/>
+              </a:defRPr>
+            </a:lvl2pPr>
+            <a:lvl3pPr marL="1143000" indent="-228600" eaLnBrk="0" hangingPunct="0">
+              <a:defRPr sz="2400">
+                <a:solidFill>
+                  <a:schemeClr val="tx1"/>
+                </a:solidFill>
+                <a:latin typeface="Arial" charset="0"/>
+                <a:ea typeface="ＭＳ Ｐゴシック" charset="0"/>
+              </a:defRPr>
+            </a:lvl3pPr>
+            <a:lvl4pPr marL="1600200" indent="-228600" eaLnBrk="0" hangingPunct="0">
+              <a:defRPr sz="2400">
+                <a:solidFill>
+                  <a:schemeClr val="tx1"/>
+                </a:solidFill>
+                <a:latin typeface="Arial" charset="0"/>
+                <a:ea typeface="ＭＳ Ｐゴシック" charset="0"/>
+              </a:defRPr>
+            </a:lvl4pPr>
+            <a:lvl5pPr marL="2057400" indent="-228600" eaLnBrk="0" hangingPunct="0">
+              <a:defRPr sz="2400">
+                <a:solidFill>
+                  <a:schemeClr val="tx1"/>
+                </a:solidFill>
+                <a:latin typeface="Arial" charset="0"/>
+                <a:ea typeface="ＭＳ Ｐゴシック" charset="0"/>
+              </a:defRPr>
+            </a:lvl5pPr>
+            <a:lvl6pPr marL="2514600" indent="-228600" eaLnBrk="0" fontAlgn="base" hangingPunct="0">
+              <a:spcBef>
+                <a:spcPct val="0"/>
+              </a:spcBef>
+              <a:spcAft>
+                <a:spcPct val="0"/>
+              </a:spcAft>
+              <a:defRPr sz="2400">
+                <a:solidFill>
+                  <a:schemeClr val="tx1"/>
+                </a:solidFill>
+                <a:latin typeface="Arial" charset="0"/>
+                <a:ea typeface="ＭＳ Ｐゴシック" charset="0"/>
+              </a:defRPr>
+            </a:lvl6pPr>
+            <a:lvl7pPr marL="2971800" indent="-228600" eaLnBrk="0" fontAlgn="base" hangingPunct="0">
+              <a:spcBef>
+                <a:spcPct val="0"/>
+              </a:spcBef>
+              <a:spcAft>
+                <a:spcPct val="0"/>
+              </a:spcAft>
+              <a:defRPr sz="2400">
+                <a:solidFill>
+                  <a:schemeClr val="tx1"/>
+                </a:solidFill>
+                <a:latin typeface="Arial" charset="0"/>
+                <a:ea typeface="ＭＳ Ｐゴシック" charset="0"/>
+              </a:defRPr>
+            </a:lvl7pPr>
+            <a:lvl8pPr marL="3429000" indent="-228600" eaLnBrk="0" fontAlgn="base" hangingPunct="0">
+              <a:spcBef>
+                <a:spcPct val="0"/>
+              </a:spcBef>
+              <a:spcAft>
+                <a:spcPct val="0"/>
+              </a:spcAft>
+              <a:defRPr sz="2400">
+                <a:solidFill>
+                  <a:schemeClr val="tx1"/>
+                </a:solidFill>
+                <a:latin typeface="Arial" charset="0"/>
+                <a:ea typeface="ＭＳ Ｐゴシック" charset="0"/>
+              </a:defRPr>
+            </a:lvl8pPr>
+            <a:lvl9pPr marL="3886200" indent="-228600" eaLnBrk="0" fontAlgn="base" hangingPunct="0">
+              <a:spcBef>
+                <a:spcPct val="0"/>
+              </a:spcBef>
+              <a:spcAft>
+                <a:spcPct val="0"/>
+              </a:spcAft>
+              <a:defRPr sz="2400">
+                <a:solidFill>
+                  <a:schemeClr val="tx1"/>
+                </a:solidFill>
+                <a:latin typeface="Arial" charset="0"/>
+                <a:ea typeface="ＭＳ Ｐゴシック" charset="0"/>
+              </a:defRPr>
+            </a:lvl9pPr>
+          </a:lstStyle>
+          <a:p>
+            <a:pPr eaLnBrk="1" hangingPunct="1"/>
+            <a:fld id="{5305FDC1-7DDA-024F-8F3C-1C297FAB028B}" type="slidenum">
+              <a:rPr lang="en-US" sz="1300">
+                <a:latin typeface="Calibri" charset="0"/>
+              </a:rPr>
+              <a:pPr eaLnBrk="1" hangingPunct="1"/>
+              <a:t>10</a:t>
+            </a:fld>
+            <a:endParaRPr lang="en-US" sz="1300">
+              <a:latin typeface="Calibri" charset="0"/>
+            </a:endParaRPr>
+          </a:p>
+        </p:txBody>
+      </p:sp>
+    </p:spTree>
+  </p:cSld>
+  <p:clrMapOvr>
+    <a:masterClrMapping/>
+  </p:clrMapOvr>
+</p:notes>
+</file>
+
+<file path=ppt/notesSlides/notesSlide11.xml><?xml version="1.0" encoding="utf-8"?>
+<p:notes xmlns:a="http://schemas.openxmlformats.org/drawingml/2006/main" xmlns:r="http://schemas.openxmlformats.org/officeDocument/2006/relationships" xmlns:p="http://schemas.openxmlformats.org/presentationml/2006/main">
+  <p:cSld>
+    <p:spTree>
+      <p:nvGrpSpPr>
+        <p:cNvPr id="1" name=""/>
+        <p:cNvGrpSpPr/>
+        <p:nvPr/>
+      </p:nvGrpSpPr>
+      <p:grpSpPr>
+        <a:xfrm>
+          <a:off x="0" y="0"/>
+          <a:ext cx="0" cy="0"/>
+          <a:chOff x="0" y="0"/>
+          <a:chExt cx="0" cy="0"/>
+        </a:xfrm>
+      </p:grpSpPr>
+      <p:sp>
+        <p:nvSpPr>
+          <p:cNvPr id="30721" name="Slide Image Placeholder 1"/>
+          <p:cNvSpPr>
+            <a:spLocks noGrp="1" noRot="1" noChangeAspect="1"/>
+          </p:cNvSpPr>
+          <p:nvPr>
+            <p:ph type="sldImg"/>
+          </p:nvPr>
+        </p:nvSpPr>
+        <p:spPr bwMode="auto">
+          <a:noFill/>
+          <a:ln>
+            <a:solidFill>
+              <a:srgbClr val="000000"/>
+            </a:solidFill>
+            <a:miter lim="800000"/>
+            <a:headEnd/>
+            <a:tailEnd/>
+          </a:ln>
+          <a:extLst>
+            <a:ext uri="{909E8E84-426E-40dd-AFC4-6F175D3DCCD1}">
+              <a14:hiddenFill xmlns:a14="http://schemas.microsoft.com/office/drawing/2010/main">
+                <a:solidFill>
+                  <a:srgbClr val="FFFFFF"/>
+                </a:solidFill>
+              </a14:hiddenFill>
+            </a:ext>
+            <a:ext uri="{FAA26D3D-D897-4be2-8F04-BA451C77F1D7}">
+              <ma14:placeholderFlag xmlns:ma14="http://schemas.microsoft.com/office/mac/drawingml/2011/main" val="1"/>
+            </a:ext>
+          </a:extLst>
+        </p:spPr>
+      </p:sp>
+      <p:sp>
+        <p:nvSpPr>
+          <p:cNvPr id="30722" name="Notes Placeholder 2"/>
+          <p:cNvSpPr>
+            <a:spLocks noGrp="1"/>
+          </p:cNvSpPr>
+          <p:nvPr>
+            <p:ph type="body" idx="1"/>
+          </p:nvPr>
+        </p:nvSpPr>
+        <p:spPr bwMode="auto">
+          <a:noFill/>
+          <a:extLst>
+            <a:ext uri="{909E8E84-426E-40dd-AFC4-6F175D3DCCD1}">
+              <a14:hiddenFill xmlns:a14="http://schemas.microsoft.com/office/drawing/2010/main">
+                <a:solidFill>
+                  <a:srgbClr val="FFFFFF"/>
+                </a:solidFill>
+              </a14:hiddenFill>
+            </a:ext>
+            <a:ext uri="{91240B29-F687-4f45-9708-019B960494DF}">
+              <a14:hiddenLine xmlns:a14="http://schemas.microsoft.com/office/drawing/2010/main" w="9525">
+                <a:solidFill>
+                  <a:srgbClr val="000000"/>
+                </a:solidFill>
+                <a:miter lim="800000"/>
+                <a:headEnd/>
+                <a:tailEnd/>
+              </a14:hiddenLine>
+            </a:ext>
+            <a:ext uri="{FAA26D3D-D897-4be2-8F04-BA451C77F1D7}">
+              <ma14:placeholderFlag xmlns:ma14="http://schemas.microsoft.com/office/mac/drawingml/2011/main" val="1"/>
+            </a:ext>
+          </a:extLst>
+        </p:spPr>
+        <p:txBody>
+          <a:bodyPr wrap="square" numCol="1" anchor="t" anchorCtr="0" compatLnSpc="1">
+            <a:prstTxWarp prst="textNoShape">
+              <a:avLst/>
+            </a:prstTxWarp>
+          </a:bodyPr>
+          <a:lstStyle/>
+          <a:p>
+            <a:endParaRPr lang="en-US">
+              <a:latin typeface="Calibri" charset="0"/>
+              <a:ea typeface="ＭＳ Ｐゴシック" charset="0"/>
+              <a:cs typeface="ＭＳ Ｐゴシック" charset="0"/>
+            </a:endParaRPr>
+          </a:p>
+        </p:txBody>
+      </p:sp>
+      <p:sp>
+        <p:nvSpPr>
+          <p:cNvPr id="30723" name="Slide Number Placeholder 3"/>
+          <p:cNvSpPr>
+            <a:spLocks noGrp="1"/>
+          </p:cNvSpPr>
+          <p:nvPr>
+            <p:ph type="sldNum" sz="quarter" idx="5"/>
+          </p:nvPr>
+        </p:nvSpPr>
+        <p:spPr bwMode="auto">
+          <a:noFill/>
+          <a:extLst>
+            <a:ext uri="{909E8E84-426E-40dd-AFC4-6F175D3DCCD1}">
+              <a14:hiddenFill xmlns:a14="http://schemas.microsoft.com/office/drawing/2010/main">
+                <a:solidFill>
+                  <a:srgbClr val="FFFFFF"/>
+                </a:solidFill>
+              </a14:hiddenFill>
+            </a:ext>
+            <a:ext uri="{91240B29-F687-4f45-9708-019B960494DF}">
+              <a14:hiddenLine xmlns:a14="http://schemas.microsoft.com/office/drawing/2010/main" w="9525">
+                <a:solidFill>
+                  <a:srgbClr val="000000"/>
+                </a:solidFill>
+                <a:miter lim="800000"/>
+                <a:headEnd/>
+                <a:tailEnd/>
+              </a14:hiddenLine>
+            </a:ext>
+          </a:extLst>
+        </p:spPr>
+        <p:txBody>
+          <a:bodyPr/>
+          <a:lstStyle>
+            <a:lvl1pPr eaLnBrk="0" hangingPunct="0">
+              <a:defRPr sz="2400">
+                <a:solidFill>
+                  <a:schemeClr val="tx1"/>
+                </a:solidFill>
+                <a:latin typeface="Arial" charset="0"/>
+                <a:ea typeface="ＭＳ Ｐゴシック" charset="0"/>
+                <a:cs typeface="ＭＳ Ｐゴシック" charset="0"/>
+              </a:defRPr>
+            </a:lvl1pPr>
+            <a:lvl2pPr marL="742950" indent="-285750" eaLnBrk="0" hangingPunct="0">
+              <a:defRPr sz="2400">
+                <a:solidFill>
+                  <a:schemeClr val="tx1"/>
+                </a:solidFill>
+                <a:latin typeface="Arial" charset="0"/>
+                <a:ea typeface="ＭＳ Ｐゴシック" charset="0"/>
+              </a:defRPr>
+            </a:lvl2pPr>
+            <a:lvl3pPr marL="1143000" indent="-228600" eaLnBrk="0" hangingPunct="0">
+              <a:defRPr sz="2400">
+                <a:solidFill>
+                  <a:schemeClr val="tx1"/>
+                </a:solidFill>
+                <a:latin typeface="Arial" charset="0"/>
+                <a:ea typeface="ＭＳ Ｐゴシック" charset="0"/>
+              </a:defRPr>
+            </a:lvl3pPr>
+            <a:lvl4pPr marL="1600200" indent="-228600" eaLnBrk="0" hangingPunct="0">
+              <a:defRPr sz="2400">
+                <a:solidFill>
+                  <a:schemeClr val="tx1"/>
+                </a:solidFill>
+                <a:latin typeface="Arial" charset="0"/>
+                <a:ea typeface="ＭＳ Ｐゴシック" charset="0"/>
+              </a:defRPr>
+            </a:lvl4pPr>
+            <a:lvl5pPr marL="2057400" indent="-228600" eaLnBrk="0" hangingPunct="0">
+              <a:defRPr sz="2400">
+                <a:solidFill>
+                  <a:schemeClr val="tx1"/>
+                </a:solidFill>
+                <a:latin typeface="Arial" charset="0"/>
+                <a:ea typeface="ＭＳ Ｐゴシック" charset="0"/>
+              </a:defRPr>
+            </a:lvl5pPr>
+            <a:lvl6pPr marL="2514600" indent="-228600" eaLnBrk="0" fontAlgn="base" hangingPunct="0">
+              <a:spcBef>
+                <a:spcPct val="0"/>
+              </a:spcBef>
+              <a:spcAft>
+                <a:spcPct val="0"/>
+              </a:spcAft>
+              <a:defRPr sz="2400">
+                <a:solidFill>
+                  <a:schemeClr val="tx1"/>
+                </a:solidFill>
+                <a:latin typeface="Arial" charset="0"/>
+                <a:ea typeface="ＭＳ Ｐゴシック" charset="0"/>
+              </a:defRPr>
+            </a:lvl6pPr>
+            <a:lvl7pPr marL="2971800" indent="-228600" eaLnBrk="0" fontAlgn="base" hangingPunct="0">
+              <a:spcBef>
+                <a:spcPct val="0"/>
+              </a:spcBef>
+              <a:spcAft>
+                <a:spcPct val="0"/>
+              </a:spcAft>
+              <a:defRPr sz="2400">
+                <a:solidFill>
+                  <a:schemeClr val="tx1"/>
+                </a:solidFill>
+                <a:latin typeface="Arial" charset="0"/>
+                <a:ea typeface="ＭＳ Ｐゴシック" charset="0"/>
+              </a:defRPr>
+            </a:lvl7pPr>
+            <a:lvl8pPr marL="3429000" indent="-228600" eaLnBrk="0" fontAlgn="base" hangingPunct="0">
+              <a:spcBef>
+                <a:spcPct val="0"/>
+              </a:spcBef>
+              <a:spcAft>
+                <a:spcPct val="0"/>
+              </a:spcAft>
+              <a:defRPr sz="2400">
+                <a:solidFill>
+                  <a:schemeClr val="tx1"/>
+                </a:solidFill>
+                <a:latin typeface="Arial" charset="0"/>
+                <a:ea typeface="ＭＳ Ｐゴシック" charset="0"/>
+              </a:defRPr>
+            </a:lvl8pPr>
+            <a:lvl9pPr marL="3886200" indent="-228600" eaLnBrk="0" fontAlgn="base" hangingPunct="0">
+              <a:spcBef>
+                <a:spcPct val="0"/>
+              </a:spcBef>
+              <a:spcAft>
+                <a:spcPct val="0"/>
+              </a:spcAft>
+              <a:defRPr sz="2400">
+                <a:solidFill>
+                  <a:schemeClr val="tx1"/>
+                </a:solidFill>
+                <a:latin typeface="Arial" charset="0"/>
+                <a:ea typeface="ＭＳ Ｐゴシック" charset="0"/>
+              </a:defRPr>
+            </a:lvl9pPr>
+          </a:lstStyle>
+          <a:p>
+            <a:pPr eaLnBrk="1" hangingPunct="1"/>
+            <a:fld id="{D4957555-38F8-9D4C-AD8C-34D997F9ADE1}" type="slidenum">
+              <a:rPr lang="en-US" sz="1300">
+                <a:latin typeface="Calibri" charset="0"/>
+              </a:rPr>
+              <a:pPr eaLnBrk="1" hangingPunct="1"/>
+              <a:t>11</a:t>
+            </a:fld>
+            <a:endParaRPr lang="en-US" sz="1300">
+              <a:latin typeface="Calibri" charset="0"/>
+            </a:endParaRPr>
+          </a:p>
+        </p:txBody>
+      </p:sp>
+    </p:spTree>
+  </p:cSld>
+  <p:clrMapOvr>
+    <a:masterClrMapping/>
+  </p:clrMapOvr>
+</p:notes>
+</file>
+
+<file path=ppt/notesSlides/notesSlide12.xml><?xml version="1.0" encoding="utf-8"?>
+<p:notes xmlns:a="http://schemas.openxmlformats.org/drawingml/2006/main" xmlns:r="http://schemas.openxmlformats.org/officeDocument/2006/relationships" xmlns:p="http://schemas.openxmlformats.org/presentationml/2006/main">
+  <p:cSld>
+    <p:spTree>
+      <p:nvGrpSpPr>
+        <p:cNvPr id="1" name=""/>
+        <p:cNvGrpSpPr/>
+        <p:nvPr/>
+      </p:nvGrpSpPr>
+      <p:grpSpPr>
+        <a:xfrm>
+          <a:off x="0" y="0"/>
+          <a:ext cx="0" cy="0"/>
+          <a:chOff x="0" y="0"/>
+          <a:chExt cx="0" cy="0"/>
+        </a:xfrm>
+      </p:grpSpPr>
+      <p:sp>
+        <p:nvSpPr>
+          <p:cNvPr id="2" name="Slide Image Placeholder 1"/>
+          <p:cNvSpPr>
+            <a:spLocks noGrp="1" noRot="1" noChangeAspect="1"/>
+          </p:cNvSpPr>
+          <p:nvPr>
+            <p:ph type="sldImg"/>
+          </p:nvPr>
+        </p:nvSpPr>
+        <p:spPr/>
+      </p:sp>
+      <p:sp>
+        <p:nvSpPr>
+          <p:cNvPr id="3" name="Notes Placeholder 2"/>
+          <p:cNvSpPr>
+            <a:spLocks noGrp="1"/>
+          </p:cNvSpPr>
+          <p:nvPr>
+            <p:ph type="body" idx="1"/>
+          </p:nvPr>
+        </p:nvSpPr>
+        <p:spPr/>
+        <p:txBody>
+          <a:bodyPr/>
+          <a:lstStyle/>
+          <a:p>
+            <a:endParaRPr lang="en-US"/>
+          </a:p>
+        </p:txBody>
+      </p:sp>
+      <p:sp>
+        <p:nvSpPr>
+          <p:cNvPr id="4" name="Slide Number Placeholder 3"/>
+          <p:cNvSpPr>
+            <a:spLocks noGrp="1"/>
+          </p:cNvSpPr>
+          <p:nvPr>
+            <p:ph type="sldNum" sz="quarter" idx="10"/>
+          </p:nvPr>
+        </p:nvSpPr>
+        <p:spPr/>
+        <p:txBody>
+          <a:bodyPr/>
+          <a:lstStyle/>
+          <a:p>
+            <a:pPr>
+              <a:defRPr/>
+            </a:pPr>
+            <a:fld id="{F3969550-FBCF-404B-9FAA-7B1DCDF2C4FF}" type="slidenum">
+              <a:rPr lang="en-US" smtClean="0"/>
+              <a:pPr>
+                <a:defRPr/>
+              </a:pPr>
+              <a:t>12</a:t>
+            </a:fld>
+            <a:endParaRPr lang="en-US"/>
+          </a:p>
+        </p:txBody>
+      </p:sp>
+    </p:spTree>
+    <p:extLst>
+      <p:ext uri="{BB962C8B-B14F-4D97-AF65-F5344CB8AC3E}">
+        <p14:creationId xmlns:p14="http://schemas.microsoft.com/office/powerpoint/2010/main" val="2762685944"/>
+      </p:ext>
+    </p:extLst>
+  </p:cSld>
+  <p:clrMapOvr>
+    <a:masterClrMapping/>
+  </p:clrMapOvr>
+</p:notes>
+</file>
+
+<file path=ppt/notesSlides/notesSlide2.xml><?xml version="1.0" encoding="utf-8"?>
+<p:notes xmlns:a="http://schemas.openxmlformats.org/drawingml/2006/main" xmlns:r="http://schemas.openxmlformats.org/officeDocument/2006/relationships" xmlns:p="http://schemas.openxmlformats.org/presentationml/2006/main">
+  <p:cSld>
+    <p:spTree>
+      <p:nvGrpSpPr>
+        <p:cNvPr id="1" name=""/>
+        <p:cNvGrpSpPr/>
+        <p:nvPr/>
+      </p:nvGrpSpPr>
+      <p:grpSpPr>
+        <a:xfrm>
+          <a:off x="0" y="0"/>
+          <a:ext cx="0" cy="0"/>
+          <a:chOff x="0" y="0"/>
+          <a:chExt cx="0" cy="0"/>
+        </a:xfrm>
+      </p:grpSpPr>
+      <p:sp>
+        <p:nvSpPr>
+          <p:cNvPr id="2" name="Slide Image Placeholder 1"/>
+          <p:cNvSpPr>
+            <a:spLocks noGrp="1" noRot="1" noChangeAspect="1"/>
+          </p:cNvSpPr>
+          <p:nvPr>
+            <p:ph type="sldImg"/>
+          </p:nvPr>
+        </p:nvSpPr>
+        <p:spPr/>
+      </p:sp>
+      <p:sp>
+        <p:nvSpPr>
+          <p:cNvPr id="3" name="Notes Placeholder 2"/>
+          <p:cNvSpPr>
+            <a:spLocks noGrp="1"/>
+          </p:cNvSpPr>
+          <p:nvPr>
+            <p:ph type="body" idx="1"/>
+          </p:nvPr>
+        </p:nvSpPr>
+        <p:spPr/>
+        <p:txBody>
+          <a:bodyPr/>
+          <a:lstStyle/>
+          <a:p>
+            <a:endParaRPr lang="en-US"/>
+          </a:p>
+        </p:txBody>
+      </p:sp>
+      <p:sp>
+        <p:nvSpPr>
+          <p:cNvPr id="4" name="Slide Number Placeholder 3"/>
+          <p:cNvSpPr>
+            <a:spLocks noGrp="1"/>
+          </p:cNvSpPr>
+          <p:nvPr>
+            <p:ph type="sldNum" sz="quarter" idx="10"/>
+          </p:nvPr>
+        </p:nvSpPr>
+        <p:spPr/>
+        <p:txBody>
+          <a:bodyPr/>
+          <a:lstStyle/>
+          <a:p>
+            <a:pPr>
+              <a:defRPr/>
+            </a:pPr>
+            <a:fld id="{F3969550-FBCF-404B-9FAA-7B1DCDF2C4FF}" type="slidenum">
+              <a:rPr lang="en-US" smtClean="0"/>
+              <a:pPr>
+                <a:defRPr/>
+              </a:pPr>
+              <a:t>2</a:t>
+            </a:fld>
+            <a:endParaRPr lang="en-US"/>
+          </a:p>
+        </p:txBody>
+      </p:sp>
+    </p:spTree>
+    <p:extLst>
+      <p:ext uri="{BB962C8B-B14F-4D97-AF65-F5344CB8AC3E}">
+        <p14:creationId xmlns:p14="http://schemas.microsoft.com/office/powerpoint/2010/main" val="2560320531"/>
+      </p:ext>
+    </p:extLst>
+  </p:cSld>
+  <p:clrMapOvr>
+    <a:masterClrMapping/>
+  </p:clrMapOvr>
+</p:notes>
+</file>
+
+<file path=ppt/notesSlides/notesSlide3.xml><?xml version="1.0" encoding="utf-8"?>
+<p:notes xmlns:a="http://schemas.openxmlformats.org/drawingml/2006/main" xmlns:r="http://schemas.openxmlformats.org/officeDocument/2006/relationships" xmlns:p="http://schemas.openxmlformats.org/presentationml/2006/main">
+  <p:cSld>
+    <p:spTree>
+      <p:nvGrpSpPr>
+        <p:cNvPr id="1" name=""/>
+        <p:cNvGrpSpPr/>
+        <p:nvPr/>
+      </p:nvGrpSpPr>
+      <p:grpSpPr>
+        <a:xfrm>
+          <a:off x="0" y="0"/>
+          <a:ext cx="0" cy="0"/>
+          <a:chOff x="0" y="0"/>
+          <a:chExt cx="0" cy="0"/>
+        </a:xfrm>
+      </p:grpSpPr>
+      <p:sp>
+        <p:nvSpPr>
+          <p:cNvPr id="2" name="Slide Image Placeholder 1"/>
+          <p:cNvSpPr>
+            <a:spLocks noGrp="1" noRot="1" noChangeAspect="1"/>
+          </p:cNvSpPr>
+          <p:nvPr>
+            <p:ph type="sldImg"/>
+          </p:nvPr>
+        </p:nvSpPr>
+        <p:spPr/>
+      </p:sp>
+      <p:sp>
+        <p:nvSpPr>
+          <p:cNvPr id="3" name="Notes Placeholder 2"/>
+          <p:cNvSpPr>
+            <a:spLocks noGrp="1"/>
+          </p:cNvSpPr>
+          <p:nvPr>
+            <p:ph type="body" idx="1"/>
+          </p:nvPr>
+        </p:nvSpPr>
+        <p:spPr/>
+        <p:txBody>
+          <a:bodyPr/>
+          <a:lstStyle/>
+          <a:p>
+            <a:endParaRPr lang="en-US"/>
+          </a:p>
+        </p:txBody>
+      </p:sp>
+      <p:sp>
+        <p:nvSpPr>
+          <p:cNvPr id="4" name="Slide Number Placeholder 3"/>
+          <p:cNvSpPr>
+            <a:spLocks noGrp="1"/>
+          </p:cNvSpPr>
+          <p:nvPr>
+            <p:ph type="sldNum" sz="quarter" idx="10"/>
+          </p:nvPr>
+        </p:nvSpPr>
+        <p:spPr/>
+        <p:txBody>
+          <a:bodyPr/>
+          <a:lstStyle/>
+          <a:p>
+            <a:pPr>
+              <a:defRPr/>
+            </a:pPr>
+            <a:fld id="{F3969550-FBCF-404B-9FAA-7B1DCDF2C4FF}" type="slidenum">
+              <a:rPr lang="en-US" smtClean="0"/>
+              <a:pPr>
+                <a:defRPr/>
+              </a:pPr>
+              <a:t>3</a:t>
+            </a:fld>
+            <a:endParaRPr lang="en-US"/>
+          </a:p>
+        </p:txBody>
+      </p:sp>
+    </p:spTree>
+    <p:extLst>
+      <p:ext uri="{BB962C8B-B14F-4D97-AF65-F5344CB8AC3E}">
+        <p14:creationId xmlns:p14="http://schemas.microsoft.com/office/powerpoint/2010/main" val="1390261556"/>
+      </p:ext>
+    </p:extLst>
+  </p:cSld>
+  <p:clrMapOvr>
+    <a:masterClrMapping/>
+  </p:clrMapOvr>
+</p:notes>
+</file>
+
+<file path=ppt/notesSlides/notesSlide4.xml><?xml version="1.0" encoding="utf-8"?>
+<p:notes xmlns:a="http://schemas.openxmlformats.org/drawingml/2006/main" xmlns:r="http://schemas.openxmlformats.org/officeDocument/2006/relationships" xmlns:p="http://schemas.openxmlformats.org/presentationml/2006/main">
+  <p:cSld>
+    <p:spTree>
+      <p:nvGrpSpPr>
+        <p:cNvPr id="1" name=""/>
+        <p:cNvGrpSpPr/>
+        <p:nvPr/>
+      </p:nvGrpSpPr>
+      <p:grpSpPr>
+        <a:xfrm>
+          <a:off x="0" y="0"/>
+          <a:ext cx="0" cy="0"/>
+          <a:chOff x="0" y="0"/>
+          <a:chExt cx="0" cy="0"/>
+        </a:xfrm>
+      </p:grpSpPr>
+      <p:sp>
+        <p:nvSpPr>
           <p:cNvPr id="16385" name="Rectangle 7"/>
           <p:cNvSpPr>
             <a:spLocks noGrp="1" noChangeArrowheads="1"/>
@@ -1058,7 +1952,7 @@
 </p:notes>
 </file>
 
-<file path=ppt/notesSlides/notesSlide2.xml><?xml version="1.0" encoding="utf-8"?>
+<file path=ppt/notesSlides/notesSlide5.xml><?xml version="1.0" encoding="utf-8"?>
 <p:notes xmlns:a="http://schemas.openxmlformats.org/drawingml/2006/main" xmlns:r="http://schemas.openxmlformats.org/officeDocument/2006/relationships" xmlns:p="http://schemas.openxmlformats.org/presentationml/2006/main">
   <p:cSld>
     <p:spTree>
@@ -1325,7 +2219,7 @@
 </p:notes>
 </file>
 
-<file path=ppt/notesSlides/notesSlide3.xml><?xml version="1.0" encoding="utf-8"?>
+<file path=ppt/notesSlides/notesSlide6.xml><?xml version="1.0" encoding="utf-8"?>
 <p:notes xmlns:a="http://schemas.openxmlformats.org/drawingml/2006/main" xmlns:r="http://schemas.openxmlformats.org/officeDocument/2006/relationships" xmlns:p="http://schemas.openxmlformats.org/presentationml/2006/main">
   <p:cSld>
     <p:spTree>
@@ -1592,7 +2486,7 @@
 </p:notes>
 </file>
 
-<file path=ppt/notesSlides/notesSlide4.xml><?xml version="1.0" encoding="utf-8"?>
+<file path=ppt/notesSlides/notesSlide7.xml><?xml version="1.0" encoding="utf-8"?>
 <p:notes xmlns:a="http://schemas.openxmlformats.org/drawingml/2006/main" xmlns:r="http://schemas.openxmlformats.org/officeDocument/2006/relationships" xmlns:p="http://schemas.openxmlformats.org/presentationml/2006/main">
   <p:cSld>
     <p:spTree>
@@ -1859,7 +2753,7 @@
 </p:notes>
 </file>
 
-<file path=ppt/notesSlides/notesSlide5.xml><?xml version="1.0" encoding="utf-8"?>
+<file path=ppt/notesSlides/notesSlide8.xml><?xml version="1.0" encoding="utf-8"?>
 <p:notes xmlns:a="http://schemas.openxmlformats.org/drawingml/2006/main" xmlns:r="http://schemas.openxmlformats.org/officeDocument/2006/relationships" xmlns:p="http://schemas.openxmlformats.org/presentationml/2006/main">
   <p:cSld>
     <p:spTree>
@@ -2126,7 +3020,7 @@
 </p:notes>
 </file>
 
-<file path=ppt/notesSlides/notesSlide6.xml><?xml version="1.0" encoding="utf-8"?>
+<file path=ppt/notesSlides/notesSlide9.xml><?xml version="1.0" encoding="utf-8"?>
 <p:notes xmlns:a="http://schemas.openxmlformats.org/drawingml/2006/main" xmlns:r="http://schemas.openxmlformats.org/officeDocument/2006/relationships" xmlns:p="http://schemas.openxmlformats.org/presentationml/2006/main">
   <p:cSld>
     <p:spTree>
@@ -2378,540 +3272,6 @@
               </a:rPr>
               <a:pPr eaLnBrk="1" hangingPunct="1"/>
               <a:t>9</a:t>
-            </a:fld>
-            <a:endParaRPr lang="en-US" sz="1300">
-              <a:latin typeface="Calibri" charset="0"/>
-            </a:endParaRPr>
-          </a:p>
-        </p:txBody>
-      </p:sp>
-    </p:spTree>
-  </p:cSld>
-  <p:clrMapOvr>
-    <a:masterClrMapping/>
-  </p:clrMapOvr>
-</p:notes>
-</file>
-
-<file path=ppt/notesSlides/notesSlide7.xml><?xml version="1.0" encoding="utf-8"?>
-<p:notes xmlns:a="http://schemas.openxmlformats.org/drawingml/2006/main" xmlns:r="http://schemas.openxmlformats.org/officeDocument/2006/relationships" xmlns:p="http://schemas.openxmlformats.org/presentationml/2006/main">
-  <p:cSld>
-    <p:spTree>
-      <p:nvGrpSpPr>
-        <p:cNvPr id="1" name=""/>
-        <p:cNvGrpSpPr/>
-        <p:nvPr/>
-      </p:nvGrpSpPr>
-      <p:grpSpPr>
-        <a:xfrm>
-          <a:off x="0" y="0"/>
-          <a:ext cx="0" cy="0"/>
-          <a:chOff x="0" y="0"/>
-          <a:chExt cx="0" cy="0"/>
-        </a:xfrm>
-      </p:grpSpPr>
-      <p:sp>
-        <p:nvSpPr>
-          <p:cNvPr id="28673" name="Slide Image Placeholder 1"/>
-          <p:cNvSpPr>
-            <a:spLocks noGrp="1" noRot="1" noChangeAspect="1"/>
-          </p:cNvSpPr>
-          <p:nvPr>
-            <p:ph type="sldImg"/>
-          </p:nvPr>
-        </p:nvSpPr>
-        <p:spPr bwMode="auto">
-          <a:noFill/>
-          <a:ln>
-            <a:solidFill>
-              <a:srgbClr val="000000"/>
-            </a:solidFill>
-            <a:miter lim="800000"/>
-            <a:headEnd/>
-            <a:tailEnd/>
-          </a:ln>
-          <a:extLst>
-            <a:ext uri="{909E8E84-426E-40dd-AFC4-6F175D3DCCD1}">
-              <a14:hiddenFill xmlns:a14="http://schemas.microsoft.com/office/drawing/2010/main">
-                <a:solidFill>
-                  <a:srgbClr val="FFFFFF"/>
-                </a:solidFill>
-              </a14:hiddenFill>
-            </a:ext>
-            <a:ext uri="{FAA26D3D-D897-4be2-8F04-BA451C77F1D7}">
-              <ma14:placeholderFlag xmlns:ma14="http://schemas.microsoft.com/office/mac/drawingml/2011/main" val="1"/>
-            </a:ext>
-          </a:extLst>
-        </p:spPr>
-      </p:sp>
-      <p:sp>
-        <p:nvSpPr>
-          <p:cNvPr id="28674" name="Notes Placeholder 2"/>
-          <p:cNvSpPr>
-            <a:spLocks noGrp="1"/>
-          </p:cNvSpPr>
-          <p:nvPr>
-            <p:ph type="body" idx="1"/>
-          </p:nvPr>
-        </p:nvSpPr>
-        <p:spPr bwMode="auto">
-          <a:noFill/>
-          <a:extLst>
-            <a:ext uri="{909E8E84-426E-40dd-AFC4-6F175D3DCCD1}">
-              <a14:hiddenFill xmlns:a14="http://schemas.microsoft.com/office/drawing/2010/main">
-                <a:solidFill>
-                  <a:srgbClr val="FFFFFF"/>
-                </a:solidFill>
-              </a14:hiddenFill>
-            </a:ext>
-            <a:ext uri="{91240B29-F687-4f45-9708-019B960494DF}">
-              <a14:hiddenLine xmlns:a14="http://schemas.microsoft.com/office/drawing/2010/main" w="9525">
-                <a:solidFill>
-                  <a:srgbClr val="000000"/>
-                </a:solidFill>
-                <a:miter lim="800000"/>
-                <a:headEnd/>
-                <a:tailEnd/>
-              </a14:hiddenLine>
-            </a:ext>
-            <a:ext uri="{FAA26D3D-D897-4be2-8F04-BA451C77F1D7}">
-              <ma14:placeholderFlag xmlns:ma14="http://schemas.microsoft.com/office/mac/drawingml/2011/main" val="1"/>
-            </a:ext>
-          </a:extLst>
-        </p:spPr>
-        <p:txBody>
-          <a:bodyPr wrap="square" numCol="1" anchor="t" anchorCtr="0" compatLnSpc="1">
-            <a:prstTxWarp prst="textNoShape">
-              <a:avLst/>
-            </a:prstTxWarp>
-          </a:bodyPr>
-          <a:lstStyle/>
-          <a:p>
-            <a:endParaRPr lang="en-US">
-              <a:latin typeface="Calibri" charset="0"/>
-              <a:ea typeface="ＭＳ Ｐゴシック" charset="0"/>
-              <a:cs typeface="ＭＳ Ｐゴシック" charset="0"/>
-            </a:endParaRPr>
-          </a:p>
-        </p:txBody>
-      </p:sp>
-      <p:sp>
-        <p:nvSpPr>
-          <p:cNvPr id="28675" name="Slide Number Placeholder 3"/>
-          <p:cNvSpPr>
-            <a:spLocks noGrp="1"/>
-          </p:cNvSpPr>
-          <p:nvPr>
-            <p:ph type="sldNum" sz="quarter" idx="5"/>
-          </p:nvPr>
-        </p:nvSpPr>
-        <p:spPr bwMode="auto">
-          <a:noFill/>
-          <a:extLst>
-            <a:ext uri="{909E8E84-426E-40dd-AFC4-6F175D3DCCD1}">
-              <a14:hiddenFill xmlns:a14="http://schemas.microsoft.com/office/drawing/2010/main">
-                <a:solidFill>
-                  <a:srgbClr val="FFFFFF"/>
-                </a:solidFill>
-              </a14:hiddenFill>
-            </a:ext>
-            <a:ext uri="{91240B29-F687-4f45-9708-019B960494DF}">
-              <a14:hiddenLine xmlns:a14="http://schemas.microsoft.com/office/drawing/2010/main" w="9525">
-                <a:solidFill>
-                  <a:srgbClr val="000000"/>
-                </a:solidFill>
-                <a:miter lim="800000"/>
-                <a:headEnd/>
-                <a:tailEnd/>
-              </a14:hiddenLine>
-            </a:ext>
-          </a:extLst>
-        </p:spPr>
-        <p:txBody>
-          <a:bodyPr/>
-          <a:lstStyle>
-            <a:lvl1pPr eaLnBrk="0" hangingPunct="0">
-              <a:defRPr sz="2400">
-                <a:solidFill>
-                  <a:schemeClr val="tx1"/>
-                </a:solidFill>
-                <a:latin typeface="Arial" charset="0"/>
-                <a:ea typeface="ＭＳ Ｐゴシック" charset="0"/>
-                <a:cs typeface="ＭＳ Ｐゴシック" charset="0"/>
-              </a:defRPr>
-            </a:lvl1pPr>
-            <a:lvl2pPr marL="742950" indent="-285750" eaLnBrk="0" hangingPunct="0">
-              <a:defRPr sz="2400">
-                <a:solidFill>
-                  <a:schemeClr val="tx1"/>
-                </a:solidFill>
-                <a:latin typeface="Arial" charset="0"/>
-                <a:ea typeface="ＭＳ Ｐゴシック" charset="0"/>
-              </a:defRPr>
-            </a:lvl2pPr>
-            <a:lvl3pPr marL="1143000" indent="-228600" eaLnBrk="0" hangingPunct="0">
-              <a:defRPr sz="2400">
-                <a:solidFill>
-                  <a:schemeClr val="tx1"/>
-                </a:solidFill>
-                <a:latin typeface="Arial" charset="0"/>
-                <a:ea typeface="ＭＳ Ｐゴシック" charset="0"/>
-              </a:defRPr>
-            </a:lvl3pPr>
-            <a:lvl4pPr marL="1600200" indent="-228600" eaLnBrk="0" hangingPunct="0">
-              <a:defRPr sz="2400">
-                <a:solidFill>
-                  <a:schemeClr val="tx1"/>
-                </a:solidFill>
-                <a:latin typeface="Arial" charset="0"/>
-                <a:ea typeface="ＭＳ Ｐゴシック" charset="0"/>
-              </a:defRPr>
-            </a:lvl4pPr>
-            <a:lvl5pPr marL="2057400" indent="-228600" eaLnBrk="0" hangingPunct="0">
-              <a:defRPr sz="2400">
-                <a:solidFill>
-                  <a:schemeClr val="tx1"/>
-                </a:solidFill>
-                <a:latin typeface="Arial" charset="0"/>
-                <a:ea typeface="ＭＳ Ｐゴシック" charset="0"/>
-              </a:defRPr>
-            </a:lvl5pPr>
-            <a:lvl6pPr marL="2514600" indent="-228600" eaLnBrk="0" fontAlgn="base" hangingPunct="0">
-              <a:spcBef>
-                <a:spcPct val="0"/>
-              </a:spcBef>
-              <a:spcAft>
-                <a:spcPct val="0"/>
-              </a:spcAft>
-              <a:defRPr sz="2400">
-                <a:solidFill>
-                  <a:schemeClr val="tx1"/>
-                </a:solidFill>
-                <a:latin typeface="Arial" charset="0"/>
-                <a:ea typeface="ＭＳ Ｐゴシック" charset="0"/>
-              </a:defRPr>
-            </a:lvl6pPr>
-            <a:lvl7pPr marL="2971800" indent="-228600" eaLnBrk="0" fontAlgn="base" hangingPunct="0">
-              <a:spcBef>
-                <a:spcPct val="0"/>
-              </a:spcBef>
-              <a:spcAft>
-                <a:spcPct val="0"/>
-              </a:spcAft>
-              <a:defRPr sz="2400">
-                <a:solidFill>
-                  <a:schemeClr val="tx1"/>
-                </a:solidFill>
-                <a:latin typeface="Arial" charset="0"/>
-                <a:ea typeface="ＭＳ Ｐゴシック" charset="0"/>
-              </a:defRPr>
-            </a:lvl7pPr>
-            <a:lvl8pPr marL="3429000" indent="-228600" eaLnBrk="0" fontAlgn="base" hangingPunct="0">
-              <a:spcBef>
-                <a:spcPct val="0"/>
-              </a:spcBef>
-              <a:spcAft>
-                <a:spcPct val="0"/>
-              </a:spcAft>
-              <a:defRPr sz="2400">
-                <a:solidFill>
-                  <a:schemeClr val="tx1"/>
-                </a:solidFill>
-                <a:latin typeface="Arial" charset="0"/>
-                <a:ea typeface="ＭＳ Ｐゴシック" charset="0"/>
-              </a:defRPr>
-            </a:lvl8pPr>
-            <a:lvl9pPr marL="3886200" indent="-228600" eaLnBrk="0" fontAlgn="base" hangingPunct="0">
-              <a:spcBef>
-                <a:spcPct val="0"/>
-              </a:spcBef>
-              <a:spcAft>
-                <a:spcPct val="0"/>
-              </a:spcAft>
-              <a:defRPr sz="2400">
-                <a:solidFill>
-                  <a:schemeClr val="tx1"/>
-                </a:solidFill>
-                <a:latin typeface="Arial" charset="0"/>
-                <a:ea typeface="ＭＳ Ｐゴシック" charset="0"/>
-              </a:defRPr>
-            </a:lvl9pPr>
-          </a:lstStyle>
-          <a:p>
-            <a:pPr eaLnBrk="1" hangingPunct="1"/>
-            <a:fld id="{5305FDC1-7DDA-024F-8F3C-1C297FAB028B}" type="slidenum">
-              <a:rPr lang="en-US" sz="1300">
-                <a:latin typeface="Calibri" charset="0"/>
-              </a:rPr>
-              <a:pPr eaLnBrk="1" hangingPunct="1"/>
-              <a:t>10</a:t>
-            </a:fld>
-            <a:endParaRPr lang="en-US" sz="1300">
-              <a:latin typeface="Calibri" charset="0"/>
-            </a:endParaRPr>
-          </a:p>
-        </p:txBody>
-      </p:sp>
-    </p:spTree>
-  </p:cSld>
-  <p:clrMapOvr>
-    <a:masterClrMapping/>
-  </p:clrMapOvr>
-</p:notes>
-</file>
-
-<file path=ppt/notesSlides/notesSlide8.xml><?xml version="1.0" encoding="utf-8"?>
-<p:notes xmlns:a="http://schemas.openxmlformats.org/drawingml/2006/main" xmlns:r="http://schemas.openxmlformats.org/officeDocument/2006/relationships" xmlns:p="http://schemas.openxmlformats.org/presentationml/2006/main">
-  <p:cSld>
-    <p:spTree>
-      <p:nvGrpSpPr>
-        <p:cNvPr id="1" name=""/>
-        <p:cNvGrpSpPr/>
-        <p:nvPr/>
-      </p:nvGrpSpPr>
-      <p:grpSpPr>
-        <a:xfrm>
-          <a:off x="0" y="0"/>
-          <a:ext cx="0" cy="0"/>
-          <a:chOff x="0" y="0"/>
-          <a:chExt cx="0" cy="0"/>
-        </a:xfrm>
-      </p:grpSpPr>
-      <p:sp>
-        <p:nvSpPr>
-          <p:cNvPr id="30721" name="Slide Image Placeholder 1"/>
-          <p:cNvSpPr>
-            <a:spLocks noGrp="1" noRot="1" noChangeAspect="1"/>
-          </p:cNvSpPr>
-          <p:nvPr>
-            <p:ph type="sldImg"/>
-          </p:nvPr>
-        </p:nvSpPr>
-        <p:spPr bwMode="auto">
-          <a:noFill/>
-          <a:ln>
-            <a:solidFill>
-              <a:srgbClr val="000000"/>
-            </a:solidFill>
-            <a:miter lim="800000"/>
-            <a:headEnd/>
-            <a:tailEnd/>
-          </a:ln>
-          <a:extLst>
-            <a:ext uri="{909E8E84-426E-40dd-AFC4-6F175D3DCCD1}">
-              <a14:hiddenFill xmlns:a14="http://schemas.microsoft.com/office/drawing/2010/main">
-                <a:solidFill>
-                  <a:srgbClr val="FFFFFF"/>
-                </a:solidFill>
-              </a14:hiddenFill>
-            </a:ext>
-            <a:ext uri="{FAA26D3D-D897-4be2-8F04-BA451C77F1D7}">
-              <ma14:placeholderFlag xmlns:ma14="http://schemas.microsoft.com/office/mac/drawingml/2011/main" val="1"/>
-            </a:ext>
-          </a:extLst>
-        </p:spPr>
-      </p:sp>
-      <p:sp>
-        <p:nvSpPr>
-          <p:cNvPr id="30722" name="Notes Placeholder 2"/>
-          <p:cNvSpPr>
-            <a:spLocks noGrp="1"/>
-          </p:cNvSpPr>
-          <p:nvPr>
-            <p:ph type="body" idx="1"/>
-          </p:nvPr>
-        </p:nvSpPr>
-        <p:spPr bwMode="auto">
-          <a:noFill/>
-          <a:extLst>
-            <a:ext uri="{909E8E84-426E-40dd-AFC4-6F175D3DCCD1}">
-              <a14:hiddenFill xmlns:a14="http://schemas.microsoft.com/office/drawing/2010/main">
-                <a:solidFill>
-                  <a:srgbClr val="FFFFFF"/>
-                </a:solidFill>
-              </a14:hiddenFill>
-            </a:ext>
-            <a:ext uri="{91240B29-F687-4f45-9708-019B960494DF}">
-              <a14:hiddenLine xmlns:a14="http://schemas.microsoft.com/office/drawing/2010/main" w="9525">
-                <a:solidFill>
-                  <a:srgbClr val="000000"/>
-                </a:solidFill>
-                <a:miter lim="800000"/>
-                <a:headEnd/>
-                <a:tailEnd/>
-              </a14:hiddenLine>
-            </a:ext>
-            <a:ext uri="{FAA26D3D-D897-4be2-8F04-BA451C77F1D7}">
-              <ma14:placeholderFlag xmlns:ma14="http://schemas.microsoft.com/office/mac/drawingml/2011/main" val="1"/>
-            </a:ext>
-          </a:extLst>
-        </p:spPr>
-        <p:txBody>
-          <a:bodyPr wrap="square" numCol="1" anchor="t" anchorCtr="0" compatLnSpc="1">
-            <a:prstTxWarp prst="textNoShape">
-              <a:avLst/>
-            </a:prstTxWarp>
-          </a:bodyPr>
-          <a:lstStyle/>
-          <a:p>
-            <a:endParaRPr lang="en-US">
-              <a:latin typeface="Calibri" charset="0"/>
-              <a:ea typeface="ＭＳ Ｐゴシック" charset="0"/>
-              <a:cs typeface="ＭＳ Ｐゴシック" charset="0"/>
-            </a:endParaRPr>
-          </a:p>
-        </p:txBody>
-      </p:sp>
-      <p:sp>
-        <p:nvSpPr>
-          <p:cNvPr id="30723" name="Slide Number Placeholder 3"/>
-          <p:cNvSpPr>
-            <a:spLocks noGrp="1"/>
-          </p:cNvSpPr>
-          <p:nvPr>
-            <p:ph type="sldNum" sz="quarter" idx="5"/>
-          </p:nvPr>
-        </p:nvSpPr>
-        <p:spPr bwMode="auto">
-          <a:noFill/>
-          <a:extLst>
-            <a:ext uri="{909E8E84-426E-40dd-AFC4-6F175D3DCCD1}">
-              <a14:hiddenFill xmlns:a14="http://schemas.microsoft.com/office/drawing/2010/main">
-                <a:solidFill>
-                  <a:srgbClr val="FFFFFF"/>
-                </a:solidFill>
-              </a14:hiddenFill>
-            </a:ext>
-            <a:ext uri="{91240B29-F687-4f45-9708-019B960494DF}">
-              <a14:hiddenLine xmlns:a14="http://schemas.microsoft.com/office/drawing/2010/main" w="9525">
-                <a:solidFill>
-                  <a:srgbClr val="000000"/>
-                </a:solidFill>
-                <a:miter lim="800000"/>
-                <a:headEnd/>
-                <a:tailEnd/>
-              </a14:hiddenLine>
-            </a:ext>
-          </a:extLst>
-        </p:spPr>
-        <p:txBody>
-          <a:bodyPr/>
-          <a:lstStyle>
-            <a:lvl1pPr eaLnBrk="0" hangingPunct="0">
-              <a:defRPr sz="2400">
-                <a:solidFill>
-                  <a:schemeClr val="tx1"/>
-                </a:solidFill>
-                <a:latin typeface="Arial" charset="0"/>
-                <a:ea typeface="ＭＳ Ｐゴシック" charset="0"/>
-                <a:cs typeface="ＭＳ Ｐゴシック" charset="0"/>
-              </a:defRPr>
-            </a:lvl1pPr>
-            <a:lvl2pPr marL="742950" indent="-285750" eaLnBrk="0" hangingPunct="0">
-              <a:defRPr sz="2400">
-                <a:solidFill>
-                  <a:schemeClr val="tx1"/>
-                </a:solidFill>
-                <a:latin typeface="Arial" charset="0"/>
-                <a:ea typeface="ＭＳ Ｐゴシック" charset="0"/>
-              </a:defRPr>
-            </a:lvl2pPr>
-            <a:lvl3pPr marL="1143000" indent="-228600" eaLnBrk="0" hangingPunct="0">
-              <a:defRPr sz="2400">
-                <a:solidFill>
-                  <a:schemeClr val="tx1"/>
-                </a:solidFill>
-                <a:latin typeface="Arial" charset="0"/>
-                <a:ea typeface="ＭＳ Ｐゴシック" charset="0"/>
-              </a:defRPr>
-            </a:lvl3pPr>
-            <a:lvl4pPr marL="1600200" indent="-228600" eaLnBrk="0" hangingPunct="0">
-              <a:defRPr sz="2400">
-                <a:solidFill>
-                  <a:schemeClr val="tx1"/>
-                </a:solidFill>
-                <a:latin typeface="Arial" charset="0"/>
-                <a:ea typeface="ＭＳ Ｐゴシック" charset="0"/>
-              </a:defRPr>
-            </a:lvl4pPr>
-            <a:lvl5pPr marL="2057400" indent="-228600" eaLnBrk="0" hangingPunct="0">
-              <a:defRPr sz="2400">
-                <a:solidFill>
-                  <a:schemeClr val="tx1"/>
-                </a:solidFill>
-                <a:latin typeface="Arial" charset="0"/>
-                <a:ea typeface="ＭＳ Ｐゴシック" charset="0"/>
-              </a:defRPr>
-            </a:lvl5pPr>
-            <a:lvl6pPr marL="2514600" indent="-228600" eaLnBrk="0" fontAlgn="base" hangingPunct="0">
-              <a:spcBef>
-                <a:spcPct val="0"/>
-              </a:spcBef>
-              <a:spcAft>
-                <a:spcPct val="0"/>
-              </a:spcAft>
-              <a:defRPr sz="2400">
-                <a:solidFill>
-                  <a:schemeClr val="tx1"/>
-                </a:solidFill>
-                <a:latin typeface="Arial" charset="0"/>
-                <a:ea typeface="ＭＳ Ｐゴシック" charset="0"/>
-              </a:defRPr>
-            </a:lvl6pPr>
-            <a:lvl7pPr marL="2971800" indent="-228600" eaLnBrk="0" fontAlgn="base" hangingPunct="0">
-              <a:spcBef>
-                <a:spcPct val="0"/>
-              </a:spcBef>
-              <a:spcAft>
-                <a:spcPct val="0"/>
-              </a:spcAft>
-              <a:defRPr sz="2400">
-                <a:solidFill>
-                  <a:schemeClr val="tx1"/>
-                </a:solidFill>
-                <a:latin typeface="Arial" charset="0"/>
-                <a:ea typeface="ＭＳ Ｐゴシック" charset="0"/>
-              </a:defRPr>
-            </a:lvl7pPr>
-            <a:lvl8pPr marL="3429000" indent="-228600" eaLnBrk="0" fontAlgn="base" hangingPunct="0">
-              <a:spcBef>
-                <a:spcPct val="0"/>
-              </a:spcBef>
-              <a:spcAft>
-                <a:spcPct val="0"/>
-              </a:spcAft>
-              <a:defRPr sz="2400">
-                <a:solidFill>
-                  <a:schemeClr val="tx1"/>
-                </a:solidFill>
-                <a:latin typeface="Arial" charset="0"/>
-                <a:ea typeface="ＭＳ Ｐゴシック" charset="0"/>
-              </a:defRPr>
-            </a:lvl8pPr>
-            <a:lvl9pPr marL="3886200" indent="-228600" eaLnBrk="0" fontAlgn="base" hangingPunct="0">
-              <a:spcBef>
-                <a:spcPct val="0"/>
-              </a:spcBef>
-              <a:spcAft>
-                <a:spcPct val="0"/>
-              </a:spcAft>
-              <a:defRPr sz="2400">
-                <a:solidFill>
-                  <a:schemeClr val="tx1"/>
-                </a:solidFill>
-                <a:latin typeface="Arial" charset="0"/>
-                <a:ea typeface="ＭＳ Ｐゴシック" charset="0"/>
-              </a:defRPr>
-            </a:lvl9pPr>
-          </a:lstStyle>
-          <a:p>
-            <a:pPr eaLnBrk="1" hangingPunct="1"/>
-            <a:fld id="{D4957555-38F8-9D4C-AD8C-34D997F9ADE1}" type="slidenum">
-              <a:rPr lang="en-US" sz="1300">
-                <a:latin typeface="Calibri" charset="0"/>
-              </a:rPr>
-              <a:pPr eaLnBrk="1" hangingPunct="1"/>
-              <a:t>11</a:t>
             </a:fld>
             <a:endParaRPr lang="en-US" sz="1300">
               <a:latin typeface="Calibri" charset="0"/>
@@ -5374,7 +5734,7 @@
               <a:pPr>
                 <a:defRPr/>
               </a:pPr>
-              <a:t>7/8/17</a:t>
+              <a:t>7/11/17</a:t>
             </a:fld>
             <a:endParaRPr lang="en-US"/>
           </a:p>
@@ -7129,7 +7489,7 @@
           </p:nvPr>
         </p:nvPicPr>
         <p:blipFill>
-          <a:blip r:embed="rId2">
+          <a:blip r:embed="rId3">
             <a:extLst>
               <a:ext uri="{28A0092B-C50C-407E-A947-70E740481C1C}">
                 <a14:useLocalDpi xmlns:a14="http://schemas.microsoft.com/office/drawing/2010/main" val="0"/>
@@ -7777,7 +8137,7 @@
           <p:nvPr/>
         </p:nvPicPr>
         <p:blipFill>
-          <a:blip r:embed="rId2">
+          <a:blip r:embed="rId3">
             <a:extLst>
               <a:ext uri="{28A0092B-C50C-407E-A947-70E740481C1C}">
                 <a14:useLocalDpi xmlns:a14="http://schemas.microsoft.com/office/drawing/2010/main" val="0"/>
@@ -7807,7 +8167,7 @@
           <p:nvPr/>
         </p:nvPicPr>
         <p:blipFill>
-          <a:blip r:embed="rId3">
+          <a:blip r:embed="rId4">
             <a:extLst>
               <a:ext uri="{28A0092B-C50C-407E-A947-70E740481C1C}">
                 <a14:useLocalDpi xmlns:a14="http://schemas.microsoft.com/office/drawing/2010/main" val="0"/>
@@ -7986,7 +8346,28 @@
                 <a:latin typeface="Calibri" charset="0"/>
                 <a:ea typeface="ＭＳ Ｐゴシック" charset="0"/>
               </a:rPr>
-              <a:t> to combine transcriptomes from multiple Cufflinks runs and compare assembled transcripts to known transcripts</a:t>
+              <a:t> to combine transcriptomes from multiple </a:t>
+            </a:r>
+            <a:r>
+              <a:rPr lang="en-US" dirty="0" err="1" smtClean="0">
+                <a:latin typeface="Calibri" charset="0"/>
+                <a:ea typeface="ＭＳ Ｐゴシック" charset="0"/>
+              </a:rPr>
+              <a:t>StringTie</a:t>
+            </a:r>
+            <a:r>
+              <a:rPr lang="en-US" dirty="0" smtClean="0">
+                <a:latin typeface="Calibri" charset="0"/>
+                <a:ea typeface="ＭＳ Ｐゴシック" charset="0"/>
+              </a:rPr>
+              <a:t> runs </a:t>
+            </a:r>
+            <a:r>
+              <a:rPr lang="en-US" dirty="0" smtClean="0">
+                <a:latin typeface="Calibri" charset="0"/>
+                <a:ea typeface="ＭＳ Ｐゴシック" charset="0"/>
+              </a:rPr>
+              <a:t>and compare assembled transcripts to known transcripts</a:t>
             </a:r>
           </a:p>
           <a:p>
@@ -9149,7 +9530,14 @@
                 <a:latin typeface="Calibri" charset="0"/>
                 <a:ea typeface="ＭＳ Ｐゴシック" charset="0"/>
               </a:rPr>
-              <a:t>Cuffmerge</a:t>
+              <a:t>StringTie</a:t>
+            </a:r>
+            <a:r>
+              <a:rPr lang="en-US" dirty="0" smtClean="0">
+                <a:latin typeface="Calibri" charset="0"/>
+                <a:ea typeface="ＭＳ Ｐゴシック" charset="0"/>
+              </a:rPr>
+              <a:t> merge</a:t>
             </a:r>
             <a:endParaRPr lang="en-US" dirty="0">
               <a:latin typeface="Calibri" charset="0"/>
@@ -9168,75 +9556,145 @@
             <p:ph idx="1"/>
           </p:nvPr>
         </p:nvSpPr>
-        <p:spPr/>
+        <p:spPr>
+          <a:xfrm>
+            <a:off x="152400" y="1052736"/>
+            <a:ext cx="8839200" cy="4724400"/>
+          </a:xfrm>
+        </p:spPr>
         <p:txBody>
           <a:bodyPr/>
           <a:lstStyle/>
           <a:p>
             <a:r>
-              <a:rPr lang="en-US">
+              <a:rPr lang="en-US" dirty="0">
                 <a:latin typeface="Calibri" charset="0"/>
                 <a:ea typeface="ＭＳ Ｐゴシック" charset="0"/>
                 <a:hlinkClick r:id="rId3"/>
               </a:rPr>
-              <a:t>http://cufflinks.cbcb.umd.edu/manual.html#cuffmerge</a:t>
-            </a:r>
-            <a:endParaRPr lang="en-US">
+              <a:t>https://ccb.jhu.edu/software/stringtie/</a:t>
+            </a:r>
+            <a:r>
+              <a:rPr lang="en-US" dirty="0" smtClean="0">
+                <a:latin typeface="Calibri" charset="0"/>
+                <a:ea typeface="ＭＳ Ｐゴシック" charset="0"/>
+                <a:hlinkClick r:id="rId3"/>
+              </a:rPr>
+              <a:t>index.shtml</a:t>
+            </a:r>
+            <a:r>
+              <a:rPr lang="en-US" dirty="0" smtClean="0">
+                <a:latin typeface="Calibri" charset="0"/>
+                <a:ea typeface="ＭＳ Ｐゴシック" charset="0"/>
+              </a:rPr>
+              <a:t> </a:t>
+            </a:r>
+            <a:endParaRPr lang="en-US" dirty="0">
               <a:latin typeface="Calibri" charset="0"/>
               <a:ea typeface="ＭＳ Ｐゴシック" charset="0"/>
             </a:endParaRPr>
           </a:p>
           <a:p>
-            <a:endParaRPr lang="en-US">
+            <a:r>
+              <a:rPr lang="en-US" dirty="0" err="1" smtClean="0">
+                <a:latin typeface="Calibri" charset="0"/>
+                <a:ea typeface="ＭＳ Ｐゴシック" charset="0"/>
+              </a:rPr>
+              <a:t>StringTie</a:t>
+            </a:r>
+            <a:r>
+              <a:rPr lang="en-US" dirty="0" smtClean="0">
+                <a:latin typeface="Calibri" charset="0"/>
+                <a:ea typeface="ＭＳ Ｐゴシック" charset="0"/>
+              </a:rPr>
+              <a:t> merge combines </a:t>
+            </a:r>
+            <a:r>
+              <a:rPr lang="en-US" dirty="0">
+                <a:latin typeface="Calibri" charset="0"/>
+                <a:ea typeface="ＭＳ Ｐゴシック" charset="0"/>
+              </a:rPr>
+              <a:t>transcripts predicted from multiple RNA-seq data sets into one view of the transcriptome</a:t>
+            </a:r>
+          </a:p>
+          <a:p>
+            <a:pPr lvl="1"/>
+            <a:r>
+              <a:rPr lang="en-US" dirty="0">
+                <a:latin typeface="Calibri" charset="0"/>
+                <a:ea typeface="ＭＳ Ｐゴシック" charset="0"/>
+              </a:rPr>
+              <a:t>Do this before running </a:t>
+            </a:r>
+            <a:r>
+              <a:rPr lang="en-US" dirty="0" err="1" smtClean="0">
+                <a:latin typeface="Calibri" charset="0"/>
+                <a:ea typeface="ＭＳ Ｐゴシック" charset="0"/>
+              </a:rPr>
+              <a:t>StringTie</a:t>
+            </a:r>
+            <a:r>
+              <a:rPr lang="en-US" dirty="0" smtClean="0">
+                <a:latin typeface="Calibri" charset="0"/>
+                <a:ea typeface="ＭＳ Ｐゴシック" charset="0"/>
+              </a:rPr>
+              <a:t> </a:t>
+            </a:r>
+            <a:r>
+              <a:rPr lang="en-US" dirty="0" smtClean="0">
+                <a:latin typeface="Calibri" charset="0"/>
+                <a:ea typeface="ＭＳ Ｐゴシック" charset="0"/>
+              </a:rPr>
+              <a:t>to </a:t>
+            </a:r>
+            <a:r>
+              <a:rPr lang="en-US" dirty="0">
+                <a:latin typeface="Calibri" charset="0"/>
+                <a:ea typeface="ＭＳ Ｐゴシック" charset="0"/>
+              </a:rPr>
+              <a:t>compare between multiple conditions</a:t>
+            </a:r>
+          </a:p>
+          <a:p>
+            <a:r>
+              <a:rPr lang="en-US" dirty="0" err="1" smtClean="0">
+                <a:latin typeface="Calibri" charset="0"/>
+                <a:ea typeface="ＭＳ Ｐゴシック" charset="0"/>
+              </a:rPr>
+              <a:t>StringTie</a:t>
+            </a:r>
+            <a:r>
+              <a:rPr lang="en-US" dirty="0" smtClean="0">
+                <a:latin typeface="Calibri" charset="0"/>
+                <a:ea typeface="ＭＳ Ｐゴシック" charset="0"/>
+              </a:rPr>
+              <a:t> merge can </a:t>
+            </a:r>
+            <a:r>
+              <a:rPr lang="en-US" dirty="0">
+                <a:latin typeface="Calibri" charset="0"/>
+                <a:ea typeface="ＭＳ Ｐゴシック" charset="0"/>
+              </a:rPr>
+              <a:t>also simultaneously compare transcripts to the known transcripts GTF file from Ensembl, etc.</a:t>
+            </a:r>
+          </a:p>
+          <a:p>
+            <a:pPr lvl="1"/>
+            <a:r>
+              <a:rPr lang="en-US" dirty="0">
+                <a:latin typeface="Calibri" charset="0"/>
+                <a:ea typeface="ＭＳ Ｐゴシック" charset="0"/>
+                <a:hlinkClick r:id="rId4"/>
+              </a:rPr>
+              <a:t>http://cufflinks.cbcb.umd.edu/manual.html#class_codes</a:t>
+            </a:r>
+            <a:endParaRPr lang="en-US" dirty="0">
               <a:latin typeface="Calibri" charset="0"/>
               <a:ea typeface="ＭＳ Ｐゴシック" charset="0"/>
             </a:endParaRPr>
           </a:p>
           <a:p>
-            <a:r>
-              <a:rPr lang="en-US">
-                <a:latin typeface="Calibri" charset="0"/>
-                <a:ea typeface="ＭＳ Ｐゴシック" charset="0"/>
-              </a:rPr>
-              <a:t>Cuffmerge combines transcripts predicted from multiple RNA-seq data sets into one view of the transcriptome</a:t>
-            </a:r>
-          </a:p>
-          <a:p>
-            <a:pPr lvl="1"/>
-            <a:r>
-              <a:rPr lang="en-US">
-                <a:latin typeface="Calibri" charset="0"/>
-                <a:ea typeface="ＭＳ Ｐゴシック" charset="0"/>
-              </a:rPr>
-              <a:t>Do this before running cuffdiff to compare between multiple conditions</a:t>
-            </a:r>
-          </a:p>
-          <a:p>
-            <a:r>
-              <a:rPr lang="en-US">
-                <a:latin typeface="Calibri" charset="0"/>
-                <a:ea typeface="ＭＳ Ｐゴシック" charset="0"/>
-              </a:rPr>
-              <a:t>Cuffmerge can also simultaneously compare transcripts to the known transcripts GTF file from Ensembl, etc.</a:t>
-            </a:r>
-          </a:p>
-          <a:p>
-            <a:pPr lvl="1"/>
-            <a:r>
-              <a:rPr lang="en-US">
-                <a:latin typeface="Calibri" charset="0"/>
-                <a:ea typeface="ＭＳ Ｐゴシック" charset="0"/>
-                <a:hlinkClick r:id="rId4"/>
-              </a:rPr>
-              <a:t>http://cufflinks.cbcb.umd.edu/manual.html#class_codes</a:t>
-            </a:r>
-            <a:endParaRPr lang="en-US">
-              <a:latin typeface="Calibri" charset="0"/>
-              <a:ea typeface="ＭＳ Ｐゴシック" charset="0"/>
-            </a:endParaRPr>
-          </a:p>
-          <a:p>
-            <a:endParaRPr lang="en-US">
+            <a:endParaRPr lang="en-US" dirty="0">
               <a:latin typeface="Calibri" charset="0"/>
               <a:ea typeface="ＭＳ Ｐゴシック" charset="0"/>
             </a:endParaRPr>
